--- a/tests/testthat/temp-artefacts/long-minus-test.pptx
+++ b/tests/testthat/temp-artefacts/long-minus-test.pptx
@@ -2235,13 +2235,16 @@
                 <a:gridCol w="574245"/>
                 <a:gridCol w="620766"/>
               </a:tblGrid>
-              <a:tr h="396823">
+              <a:tr h="395118">
                 <a:tc>
                   <a:txBody>
                     <a:bodyPr/>
                     <a:lstStyle/>
                     <a:p>
                       <a:pPr algn="l" marL="76200" marR="76200">
+                        <a:lnSpc>
+                          <a:spcPct val="100000"/>
+                        </a:lnSpc>
                         <a:spcBef>
                           <a:spcPts val="600"/>
                         </a:spcBef>
@@ -2253,12 +2256,12 @@
                       <a:r>
                         <a:rPr sz="1100">
                           <a:solidFill>
-                            <a:srgbClr val="111111">
+                            <a:srgbClr val="000000">
                               <a:alpha val="100000"/>
                             </a:srgbClr>
                           </a:solidFill>
-                          <a:latin typeface="Arial"/>
-                          <a:cs typeface="Arial"/>
+                          <a:latin typeface="Helvetica"/>
+                          <a:cs typeface="Helvetica"/>
                         </a:rPr>
                         <a:t>1</a:t>
                       </a:r>
@@ -2305,6 +2308,9 @@
                     <a:lstStyle/>
                     <a:p>
                       <a:pPr algn="l" marL="76200" marR="76200">
+                        <a:lnSpc>
+                          <a:spcPct val="100000"/>
+                        </a:lnSpc>
                         <a:spcBef>
                           <a:spcPts val="600"/>
                         </a:spcBef>
@@ -2316,12 +2322,12 @@
                       <a:r>
                         <a:rPr sz="1100">
                           <a:solidFill>
-                            <a:srgbClr val="111111">
+                            <a:srgbClr val="000000">
                               <a:alpha val="100000"/>
                             </a:srgbClr>
                           </a:solidFill>
-                          <a:latin typeface="Arial"/>
-                          <a:cs typeface="Arial"/>
+                          <a:latin typeface="Helvetica"/>
+                          <a:cs typeface="Helvetica"/>
                         </a:rPr>
                         <a:t>1e-3</a:t>
                       </a:r>
@@ -2368,6 +2374,9 @@
                     <a:lstStyle/>
                     <a:p>
                       <a:pPr algn="l" marL="76200" marR="76200">
+                        <a:lnSpc>
+                          <a:spcPct val="100000"/>
+                        </a:lnSpc>
                         <a:spcBef>
                           <a:spcPts val="600"/>
                         </a:spcBef>
@@ -2379,12 +2388,12 @@
                       <a:r>
                         <a:rPr sz="1100">
                           <a:solidFill>
-                            <a:srgbClr val="111111">
+                            <a:srgbClr val="000000">
                               <a:alpha val="100000"/>
                             </a:srgbClr>
                           </a:solidFill>
-                          <a:latin typeface="Arial"/>
-                          <a:cs typeface="Arial"/>
+                          <a:latin typeface="Helvetica"/>
+                          <a:cs typeface="Helvetica"/>
                         </a:rPr>
                         <a:t>1</a:t>
                       </a:r>
@@ -2426,13 +2435,16 @@
                   </a:tcPr>
                 </a:tc>
               </a:tr>
-              <a:tr h="396823">
+              <a:tr h="395118">
                 <a:tc>
                   <a:txBody>
                     <a:bodyPr/>
                     <a:lstStyle/>
                     <a:p>
                       <a:pPr algn="l" marL="76200" marR="76200">
+                        <a:lnSpc>
+                          <a:spcPct val="100000"/>
+                        </a:lnSpc>
                         <a:spcBef>
                           <a:spcPts val="600"/>
                         </a:spcBef>
@@ -2444,12 +2456,12 @@
                       <a:r>
                         <a:rPr sz="1100">
                           <a:solidFill>
-                            <a:srgbClr val="111111">
+                            <a:srgbClr val="000000">
                               <a:alpha val="100000"/>
                             </a:srgbClr>
                           </a:solidFill>
-                          <a:latin typeface="Arial"/>
-                          <a:cs typeface="Arial"/>
+                          <a:latin typeface="Helvetica"/>
+                          <a:cs typeface="Helvetica"/>
                         </a:rPr>
                         <a:t>-1.5</a:t>
                       </a:r>
@@ -2496,6 +2508,9 @@
                     <a:lstStyle/>
                     <a:p>
                       <a:pPr algn="l" marL="76200" marR="76200">
+                        <a:lnSpc>
+                          <a:spcPct val="100000"/>
+                        </a:lnSpc>
                         <a:spcBef>
                           <a:spcPts val="600"/>
                         </a:spcBef>
@@ -2507,12 +2522,12 @@
                       <a:r>
                         <a:rPr sz="1100">
                           <a:solidFill>
-                            <a:srgbClr val="111111">
+                            <a:srgbClr val="000000">
                               <a:alpha val="100000"/>
                             </a:srgbClr>
                           </a:solidFill>
-                          <a:latin typeface="Arial"/>
-                          <a:cs typeface="Arial"/>
+                          <a:latin typeface="Helvetica"/>
+                          <a:cs typeface="Helvetica"/>
                         </a:rPr>
                         <a:t>1e3</a:t>
                       </a:r>
@@ -2559,6 +2574,9 @@
                     <a:lstStyle/>
                     <a:p>
                       <a:pPr algn="l" marL="76200" marR="76200">
+                        <a:lnSpc>
+                          <a:spcPct val="100000"/>
+                        </a:lnSpc>
                         <a:spcBef>
                           <a:spcPts val="600"/>
                         </a:spcBef>
@@ -2570,12 +2588,12 @@
                       <a:r>
                         <a:rPr sz="1100">
                           <a:solidFill>
-                            <a:srgbClr val="111111">
+                            <a:srgbClr val="000000">
                               <a:alpha val="100000"/>
                             </a:srgbClr>
                           </a:solidFill>
-                          <a:latin typeface="Arial"/>
-                          <a:cs typeface="Arial"/>
+                          <a:latin typeface="Helvetica"/>
+                          <a:cs typeface="Helvetica"/>
                         </a:rPr>
                         <a:t>-1e-3</a:t>
                       </a:r>

--- a/tests/testthat/temp-artefacts/long-minus-test.pptx
+++ b/tests/testthat/temp-artefacts/long-minus-test.pptx
@@ -2231,9 +2231,9 @@
             <a:tbl>
               <a:tblPr/>
               <a:tblGrid>
-                <a:gridCol w="535363"/>
-                <a:gridCol w="574245"/>
-                <a:gridCol w="620766"/>
+                <a:gridCol w="570425"/>
+                <a:gridCol w="609306"/>
+                <a:gridCol w="690889"/>
               </a:tblGrid>
               <a:tr h="395118">
                 <a:tc>
@@ -2261,7 +2261,6 @@
                             </a:srgbClr>
                           </a:solidFill>
                           <a:latin typeface="Helvetica"/>
-                          <a:cs typeface="Helvetica"/>
                         </a:rPr>
                         <a:t>1</a:t>
                       </a:r>
@@ -2327,9 +2326,8 @@
                             </a:srgbClr>
                           </a:solidFill>
                           <a:latin typeface="Helvetica"/>
-                          <a:cs typeface="Helvetica"/>
                         </a:rPr>
-                        <a:t>1e-3</a:t>
+                        <a:t>1e−3</a:t>
                       </a:r>
                     </a:p>
                   </a:txBody>
@@ -2393,7 +2391,6 @@
                             </a:srgbClr>
                           </a:solidFill>
                           <a:latin typeface="Helvetica"/>
-                          <a:cs typeface="Helvetica"/>
                         </a:rPr>
                         <a:t>1</a:t>
                       </a:r>
@@ -2461,9 +2458,8 @@
                             </a:srgbClr>
                           </a:solidFill>
                           <a:latin typeface="Helvetica"/>
-                          <a:cs typeface="Helvetica"/>
                         </a:rPr>
-                        <a:t>-1.5</a:t>
+                        <a:t>−1.5</a:t>
                       </a:r>
                     </a:p>
                   </a:txBody>
@@ -2527,7 +2523,6 @@
                             </a:srgbClr>
                           </a:solidFill>
                           <a:latin typeface="Helvetica"/>
-                          <a:cs typeface="Helvetica"/>
                         </a:rPr>
                         <a:t>1e3</a:t>
                       </a:r>
@@ -2593,9 +2588,8 @@
                             </a:srgbClr>
                           </a:solidFill>
                           <a:latin typeface="Helvetica"/>
-                          <a:cs typeface="Helvetica"/>
                         </a:rPr>
-                        <a:t>-1e-3</a:t>
+                        <a:t>−1e−3</a:t>
                       </a:r>
                     </a:p>
                   </a:txBody>
